--- a/virtual_environment/vscode 가상환경.pptx
+++ b/virtual_environment/vscode 가상환경.pptx
@@ -116,6 +116,11 @@
       </a:defRPr>
     </a:lvl9pPr>
   </p:defaultTextStyle>
+  <p:extLst>
+    <p:ext uri="{EFAFB233-063F-42B5-8137-9DF3F51BA10A}">
+      <p15:sldGuideLst xmlns:p15="http://schemas.microsoft.com/office/powerpoint/2012/main"/>
+    </p:ext>
+  </p:extLst>
 </p:presentation>
 </file>
 
@@ -4429,10 +4434,10 @@
       </p:grpSpPr>
       <p:pic>
         <p:nvPicPr>
-          <p:cNvPr id="5" name="그림 4">
-            <a:extLst>
-              <a:ext uri="{FF2B5EF4-FFF2-40B4-BE49-F238E27FC236}">
-                <a16:creationId xmlns:a16="http://schemas.microsoft.com/office/drawing/2014/main" id="{DC91DD78-6D7F-4A39-A3C0-E9698DCBC205}"/>
+          <p:cNvPr id="3" name="그림 2">
+            <a:extLst>
+              <a:ext uri="{FF2B5EF4-FFF2-40B4-BE49-F238E27FC236}">
+                <a16:creationId xmlns:a16="http://schemas.microsoft.com/office/drawing/2014/main" id="{E577CC21-8CBA-4BB2-8A1C-531FACBCAE7E}"/>
               </a:ext>
             </a:extLst>
           </p:cNvPr>
@@ -4449,8 +4454,8 @@
         </p:blipFill>
         <p:spPr>
           <a:xfrm>
-            <a:off x="1525189" y="0"/>
-            <a:ext cx="9141621" cy="6858000"/>
+            <a:off x="1522969" y="0"/>
+            <a:ext cx="9146061" cy="6858000"/>
           </a:xfrm>
           <a:prstGeom prst="rect">
             <a:avLst/>
@@ -4471,7 +4476,7 @@
         </p:nvSpPr>
         <p:spPr>
           <a:xfrm>
-            <a:off x="4008135" y="631032"/>
+            <a:off x="4100809" y="532177"/>
             <a:ext cx="423933" cy="196982"/>
           </a:xfrm>
           <a:prstGeom prst="roundRect">
@@ -4523,7 +4528,7 @@
         </p:nvSpPr>
         <p:spPr>
           <a:xfrm>
-            <a:off x="4532854" y="560394"/>
+            <a:off x="4625528" y="461539"/>
             <a:ext cx="1220246" cy="307777"/>
           </a:xfrm>
           <a:prstGeom prst="rect">
